--- a/module-5/Event-Driven-Data-Management-for-Microservices.pptx
+++ b/module-5/Event-Driven-Data-Management-for-Microservices.pptx
@@ -251,7 +251,7 @@
           <a:p>
             <a:fld id="{ED24370F-8369-4C0B-AC1C-78BC417D1CC5}" type="datetimeFigureOut">
               <a:rPr lang="en-US" smtClean="0"/>
-              <a:t>1/4/2022</a:t>
+              <a:t>1/8/2022</a:t>
             </a:fld>
             <a:endParaRPr lang="en-US"/>
           </a:p>
@@ -421,7 +421,7 @@
           <a:p>
             <a:fld id="{ED24370F-8369-4C0B-AC1C-78BC417D1CC5}" type="datetimeFigureOut">
               <a:rPr lang="en-US" smtClean="0"/>
-              <a:t>1/4/2022</a:t>
+              <a:t>1/8/2022</a:t>
             </a:fld>
             <a:endParaRPr lang="en-US"/>
           </a:p>
@@ -601,7 +601,7 @@
           <a:p>
             <a:fld id="{ED24370F-8369-4C0B-AC1C-78BC417D1CC5}" type="datetimeFigureOut">
               <a:rPr lang="en-US" smtClean="0"/>
-              <a:t>1/4/2022</a:t>
+              <a:t>1/8/2022</a:t>
             </a:fld>
             <a:endParaRPr lang="en-US"/>
           </a:p>
@@ -771,7 +771,7 @@
           <a:p>
             <a:fld id="{ED24370F-8369-4C0B-AC1C-78BC417D1CC5}" type="datetimeFigureOut">
               <a:rPr lang="en-US" smtClean="0"/>
-              <a:t>1/4/2022</a:t>
+              <a:t>1/8/2022</a:t>
             </a:fld>
             <a:endParaRPr lang="en-US"/>
           </a:p>
@@ -1017,7 +1017,7 @@
           <a:p>
             <a:fld id="{ED24370F-8369-4C0B-AC1C-78BC417D1CC5}" type="datetimeFigureOut">
               <a:rPr lang="en-US" smtClean="0"/>
-              <a:t>1/4/2022</a:t>
+              <a:t>1/8/2022</a:t>
             </a:fld>
             <a:endParaRPr lang="en-US"/>
           </a:p>
@@ -1249,7 +1249,7 @@
           <a:p>
             <a:fld id="{ED24370F-8369-4C0B-AC1C-78BC417D1CC5}" type="datetimeFigureOut">
               <a:rPr lang="en-US" smtClean="0"/>
-              <a:t>1/4/2022</a:t>
+              <a:t>1/8/2022</a:t>
             </a:fld>
             <a:endParaRPr lang="en-US"/>
           </a:p>
@@ -1616,7 +1616,7 @@
           <a:p>
             <a:fld id="{ED24370F-8369-4C0B-AC1C-78BC417D1CC5}" type="datetimeFigureOut">
               <a:rPr lang="en-US" smtClean="0"/>
-              <a:t>1/4/2022</a:t>
+              <a:t>1/8/2022</a:t>
             </a:fld>
             <a:endParaRPr lang="en-US"/>
           </a:p>
@@ -1734,7 +1734,7 @@
           <a:p>
             <a:fld id="{ED24370F-8369-4C0B-AC1C-78BC417D1CC5}" type="datetimeFigureOut">
               <a:rPr lang="en-US" smtClean="0"/>
-              <a:t>1/4/2022</a:t>
+              <a:t>1/8/2022</a:t>
             </a:fld>
             <a:endParaRPr lang="en-US"/>
           </a:p>
@@ -1829,7 +1829,7 @@
           <a:p>
             <a:fld id="{ED24370F-8369-4C0B-AC1C-78BC417D1CC5}" type="datetimeFigureOut">
               <a:rPr lang="en-US" smtClean="0"/>
-              <a:t>1/4/2022</a:t>
+              <a:t>1/8/2022</a:t>
             </a:fld>
             <a:endParaRPr lang="en-US"/>
           </a:p>
@@ -2106,7 +2106,7 @@
           <a:p>
             <a:fld id="{ED24370F-8369-4C0B-AC1C-78BC417D1CC5}" type="datetimeFigureOut">
               <a:rPr lang="en-US" smtClean="0"/>
-              <a:t>1/4/2022</a:t>
+              <a:t>1/8/2022</a:t>
             </a:fld>
             <a:endParaRPr lang="en-US"/>
           </a:p>
@@ -2359,7 +2359,7 @@
           <a:p>
             <a:fld id="{ED24370F-8369-4C0B-AC1C-78BC417D1CC5}" type="datetimeFigureOut">
               <a:rPr lang="en-US" smtClean="0"/>
-              <a:t>1/4/2022</a:t>
+              <a:t>1/8/2022</a:t>
             </a:fld>
             <a:endParaRPr lang="en-US"/>
           </a:p>
@@ -2572,7 +2572,7 @@
           <a:p>
             <a:fld id="{ED24370F-8369-4C0B-AC1C-78BC417D1CC5}" type="datetimeFigureOut">
               <a:rPr lang="en-US" smtClean="0"/>
-              <a:t>1/4/2022</a:t>
+              <a:t>1/8/2022</a:t>
             </a:fld>
             <a:endParaRPr lang="en-US"/>
           </a:p>
@@ -3085,9 +3085,84 @@
   <p:timing>
     <p:tnLst>
       <p:par>
-        <p:cTn id="1" dur="indefinite" restart="never" nodeType="tmRoot"/>
+        <p:cTn id="1" dur="indefinite" restart="never" nodeType="tmRoot">
+          <p:childTnLst>
+            <p:seq concurrent="1" nextAc="seek">
+              <p:cTn id="2" dur="indefinite" nodeType="mainSeq">
+                <p:childTnLst>
+                  <p:par>
+                    <p:cTn id="3" fill="hold">
+                      <p:stCondLst>
+                        <p:cond delay="indefinite"/>
+                      </p:stCondLst>
+                      <p:childTnLst>
+                        <p:par>
+                          <p:cTn id="4" fill="hold">
+                            <p:stCondLst>
+                              <p:cond delay="0"/>
+                            </p:stCondLst>
+                            <p:childTnLst>
+                              <p:par>
+                                <p:cTn id="5" presetID="1" presetClass="entr" presetSubtype="0" fill="hold" grpId="0" nodeType="clickEffect">
+                                  <p:stCondLst>
+                                    <p:cond delay="0"/>
+                                  </p:stCondLst>
+                                  <p:childTnLst>
+                                    <p:set>
+                                      <p:cBhvr>
+                                        <p:cTn id="6" dur="1" fill="hold">
+                                          <p:stCondLst>
+                                            <p:cond delay="0"/>
+                                          </p:stCondLst>
+                                        </p:cTn>
+                                        <p:tgtEl>
+                                          <p:spTgt spid="3">
+                                            <p:txEl>
+                                              <p:pRg st="0" end="0"/>
+                                            </p:txEl>
+                                          </p:spTgt>
+                                        </p:tgtEl>
+                                        <p:attrNameLst>
+                                          <p:attrName>style.visibility</p:attrName>
+                                        </p:attrNameLst>
+                                      </p:cBhvr>
+                                      <p:to>
+                                        <p:strVal val="visible"/>
+                                      </p:to>
+                                    </p:set>
+                                  </p:childTnLst>
+                                </p:cTn>
+                              </p:par>
+                            </p:childTnLst>
+                          </p:cTn>
+                        </p:par>
+                      </p:childTnLst>
+                    </p:cTn>
+                  </p:par>
+                </p:childTnLst>
+              </p:cTn>
+              <p:prevCondLst>
+                <p:cond evt="onPrev" delay="0">
+                  <p:tgtEl>
+                    <p:sldTgt/>
+                  </p:tgtEl>
+                </p:cond>
+              </p:prevCondLst>
+              <p:nextCondLst>
+                <p:cond evt="onNext" delay="0">
+                  <p:tgtEl>
+                    <p:sldTgt/>
+                  </p:tgtEl>
+                </p:cond>
+              </p:nextCondLst>
+            </p:seq>
+          </p:childTnLst>
+        </p:cTn>
       </p:par>
     </p:tnLst>
+    <p:bldLst>
+      <p:bldP spid="3" grpId="0" build="p"/>
+    </p:bldLst>
   </p:timing>
 </p:sld>
 </file>
@@ -3848,7 +3923,7 @@
         <p:spPr/>
         <p:txBody>
           <a:bodyPr>
-            <a:normAutofit fontScale="70000" lnSpcReduction="20000"/>
+            <a:normAutofit fontScale="85000" lnSpcReduction="20000"/>
           </a:bodyPr>
           <a:lstStyle/>
           <a:p>
@@ -3875,7 +3950,7 @@
               <a:rPr lang="vi-VN" dirty="0">
                 <a:latin typeface="+mj-lt"/>
               </a:rPr>
-              <a:t>). Một giao dịch có nhiều thao tác khác biệt thì hoặc là toàn bộ các thao tác hoặc là không một thao tác nào được hoàn thành. Chẳng hạn việc chuyển tiền có thể thành công hay trục trặc vì nhiều lý do nhưng tính nguyên tố bảo đảm rằng một tài khoản sẽ không bị trừ tiền nếu như tài khoản kia chưa được cộng số tiền tương ứng</a:t>
+              <a:t>). Một giao dịch có nhiều thao tác khác biệt thì hoặc là toàn bộ các thao tác hoặc là không một thao tác nào được hoàn thành</a:t>
             </a:r>
             <a:r>
               <a:rPr lang="vi-VN" dirty="0" smtClean="0">
@@ -4771,9 +4846,180 @@
   <p:timing>
     <p:tnLst>
       <p:par>
-        <p:cTn id="1" dur="indefinite" restart="never" nodeType="tmRoot"/>
+        <p:cTn id="1" dur="indefinite" restart="never" nodeType="tmRoot">
+          <p:childTnLst>
+            <p:seq concurrent="1" nextAc="seek">
+              <p:cTn id="2" dur="indefinite" nodeType="mainSeq">
+                <p:childTnLst>
+                  <p:par>
+                    <p:cTn id="3" fill="hold">
+                      <p:stCondLst>
+                        <p:cond delay="indefinite"/>
+                      </p:stCondLst>
+                      <p:childTnLst>
+                        <p:par>
+                          <p:cTn id="4" fill="hold">
+                            <p:stCondLst>
+                              <p:cond delay="0"/>
+                            </p:stCondLst>
+                            <p:childTnLst>
+                              <p:par>
+                                <p:cTn id="5" presetID="1" presetClass="entr" presetSubtype="0" fill="hold" grpId="0" nodeType="clickEffect">
+                                  <p:stCondLst>
+                                    <p:cond delay="0"/>
+                                  </p:stCondLst>
+                                  <p:childTnLst>
+                                    <p:set>
+                                      <p:cBhvr>
+                                        <p:cTn id="6" dur="1" fill="hold">
+                                          <p:stCondLst>
+                                            <p:cond delay="0"/>
+                                          </p:stCondLst>
+                                        </p:cTn>
+                                        <p:tgtEl>
+                                          <p:spTgt spid="8"/>
+                                        </p:tgtEl>
+                                        <p:attrNameLst>
+                                          <p:attrName>style.visibility</p:attrName>
+                                        </p:attrNameLst>
+                                      </p:cBhvr>
+                                      <p:to>
+                                        <p:strVal val="visible"/>
+                                      </p:to>
+                                    </p:set>
+                                  </p:childTnLst>
+                                </p:cTn>
+                              </p:par>
+                              <p:par>
+                                <p:cTn id="7" presetID="1" presetClass="entr" presetSubtype="0" fill="hold" nodeType="withEffect">
+                                  <p:stCondLst>
+                                    <p:cond delay="0"/>
+                                  </p:stCondLst>
+                                  <p:childTnLst>
+                                    <p:set>
+                                      <p:cBhvr>
+                                        <p:cTn id="8" dur="1" fill="hold">
+                                          <p:stCondLst>
+                                            <p:cond delay="0"/>
+                                          </p:stCondLst>
+                                        </p:cTn>
+                                        <p:tgtEl>
+                                          <p:spTgt spid="3076"/>
+                                        </p:tgtEl>
+                                        <p:attrNameLst>
+                                          <p:attrName>style.visibility</p:attrName>
+                                        </p:attrNameLst>
+                                      </p:cBhvr>
+                                      <p:to>
+                                        <p:strVal val="visible"/>
+                                      </p:to>
+                                    </p:set>
+                                  </p:childTnLst>
+                                </p:cTn>
+                              </p:par>
+                            </p:childTnLst>
+                          </p:cTn>
+                        </p:par>
+                      </p:childTnLst>
+                    </p:cTn>
+                  </p:par>
+                  <p:par>
+                    <p:cTn id="9" fill="hold">
+                      <p:stCondLst>
+                        <p:cond delay="indefinite"/>
+                      </p:stCondLst>
+                      <p:childTnLst>
+                        <p:par>
+                          <p:cTn id="10" fill="hold">
+                            <p:stCondLst>
+                              <p:cond delay="0"/>
+                            </p:stCondLst>
+                            <p:childTnLst>
+                              <p:par>
+                                <p:cTn id="11" presetID="1" presetClass="entr" presetSubtype="0" fill="hold" grpId="0" nodeType="clickEffect">
+                                  <p:stCondLst>
+                                    <p:cond delay="0"/>
+                                  </p:stCondLst>
+                                  <p:childTnLst>
+                                    <p:set>
+                                      <p:cBhvr>
+                                        <p:cTn id="12" dur="1" fill="hold">
+                                          <p:stCondLst>
+                                            <p:cond delay="0"/>
+                                          </p:stCondLst>
+                                        </p:cTn>
+                                        <p:tgtEl>
+                                          <p:spTgt spid="9"/>
+                                        </p:tgtEl>
+                                        <p:attrNameLst>
+                                          <p:attrName>style.visibility</p:attrName>
+                                        </p:attrNameLst>
+                                      </p:cBhvr>
+                                      <p:to>
+                                        <p:strVal val="visible"/>
+                                      </p:to>
+                                    </p:set>
+                                  </p:childTnLst>
+                                </p:cTn>
+                              </p:par>
+                              <p:par>
+                                <p:cTn id="13" presetID="1" presetClass="entr" presetSubtype="0" fill="hold" nodeType="withEffect">
+                                  <p:stCondLst>
+                                    <p:cond delay="0"/>
+                                  </p:stCondLst>
+                                  <p:childTnLst>
+                                    <p:set>
+                                      <p:cBhvr>
+                                        <p:cTn id="14" dur="1" fill="hold">
+                                          <p:stCondLst>
+                                            <p:cond delay="0"/>
+                                          </p:stCondLst>
+                                        </p:cTn>
+                                        <p:tgtEl>
+                                          <p:spTgt spid="3078"/>
+                                        </p:tgtEl>
+                                        <p:attrNameLst>
+                                          <p:attrName>style.visibility</p:attrName>
+                                        </p:attrNameLst>
+                                      </p:cBhvr>
+                                      <p:to>
+                                        <p:strVal val="visible"/>
+                                      </p:to>
+                                    </p:set>
+                                  </p:childTnLst>
+                                </p:cTn>
+                              </p:par>
+                            </p:childTnLst>
+                          </p:cTn>
+                        </p:par>
+                      </p:childTnLst>
+                    </p:cTn>
+                  </p:par>
+                </p:childTnLst>
+              </p:cTn>
+              <p:prevCondLst>
+                <p:cond evt="onPrev" delay="0">
+                  <p:tgtEl>
+                    <p:sldTgt/>
+                  </p:tgtEl>
+                </p:cond>
+              </p:prevCondLst>
+              <p:nextCondLst>
+                <p:cond evt="onNext" delay="0">
+                  <p:tgtEl>
+                    <p:sldTgt/>
+                  </p:tgtEl>
+                </p:cond>
+              </p:nextCondLst>
+            </p:seq>
+          </p:childTnLst>
+        </p:cTn>
       </p:par>
     </p:tnLst>
+    <p:bldLst>
+      <p:bldP spid="8" grpId="0"/>
+      <p:bldP spid="9" grpId="0"/>
+    </p:bldLst>
   </p:timing>
 </p:sld>
 </file>
@@ -6172,7 +6418,7 @@
         </p:nvSpPr>
         <p:spPr>
           <a:xfrm flipH="1">
-            <a:off x="9162941" y="6254994"/>
+            <a:off x="8623826" y="4347536"/>
             <a:ext cx="2729974" cy="369332"/>
           </a:xfrm>
           <a:prstGeom prst="rect">
@@ -6228,9 +6474,157 @@
   <p:timing>
     <p:tnLst>
       <p:par>
-        <p:cTn id="1" dur="indefinite" restart="never" nodeType="tmRoot"/>
+        <p:cTn id="1" dur="indefinite" restart="never" nodeType="tmRoot">
+          <p:childTnLst>
+            <p:seq concurrent="1" nextAc="seek">
+              <p:cTn id="2" dur="indefinite" nodeType="mainSeq">
+                <p:childTnLst>
+                  <p:par>
+                    <p:cTn id="3" fill="hold">
+                      <p:stCondLst>
+                        <p:cond delay="indefinite"/>
+                      </p:stCondLst>
+                      <p:childTnLst>
+                        <p:par>
+                          <p:cTn id="4" fill="hold">
+                            <p:stCondLst>
+                              <p:cond delay="0"/>
+                            </p:stCondLst>
+                            <p:childTnLst>
+                              <p:par>
+                                <p:cTn id="5" presetID="31" presetClass="entr" presetSubtype="0" fill="hold" grpId="0" nodeType="clickEffect">
+                                  <p:stCondLst>
+                                    <p:cond delay="0"/>
+                                  </p:stCondLst>
+                                  <p:childTnLst>
+                                    <p:set>
+                                      <p:cBhvr>
+                                        <p:cTn id="6" dur="1" fill="hold">
+                                          <p:stCondLst>
+                                            <p:cond delay="0"/>
+                                          </p:stCondLst>
+                                        </p:cTn>
+                                        <p:tgtEl>
+                                          <p:spTgt spid="4"/>
+                                        </p:tgtEl>
+                                        <p:attrNameLst>
+                                          <p:attrName>style.visibility</p:attrName>
+                                        </p:attrNameLst>
+                                      </p:cBhvr>
+                                      <p:to>
+                                        <p:strVal val="visible"/>
+                                      </p:to>
+                                    </p:set>
+                                    <p:anim calcmode="lin" valueType="num">
+                                      <p:cBhvr>
+                                        <p:cTn id="7" dur="1000" fill="hold"/>
+                                        <p:tgtEl>
+                                          <p:spTgt spid="4"/>
+                                        </p:tgtEl>
+                                        <p:attrNameLst>
+                                          <p:attrName>ppt_w</p:attrName>
+                                        </p:attrNameLst>
+                                      </p:cBhvr>
+                                      <p:tavLst>
+                                        <p:tav tm="0">
+                                          <p:val>
+                                            <p:fltVal val="0"/>
+                                          </p:val>
+                                        </p:tav>
+                                        <p:tav tm="100000">
+                                          <p:val>
+                                            <p:strVal val="#ppt_w"/>
+                                          </p:val>
+                                        </p:tav>
+                                      </p:tavLst>
+                                    </p:anim>
+                                    <p:anim calcmode="lin" valueType="num">
+                                      <p:cBhvr>
+                                        <p:cTn id="8" dur="1000" fill="hold"/>
+                                        <p:tgtEl>
+                                          <p:spTgt spid="4"/>
+                                        </p:tgtEl>
+                                        <p:attrNameLst>
+                                          <p:attrName>ppt_h</p:attrName>
+                                        </p:attrNameLst>
+                                      </p:cBhvr>
+                                      <p:tavLst>
+                                        <p:tav tm="0">
+                                          <p:val>
+                                            <p:fltVal val="0"/>
+                                          </p:val>
+                                        </p:tav>
+                                        <p:tav tm="100000">
+                                          <p:val>
+                                            <p:strVal val="#ppt_h"/>
+                                          </p:val>
+                                        </p:tav>
+                                      </p:tavLst>
+                                    </p:anim>
+                                    <p:anim calcmode="lin" valueType="num">
+                                      <p:cBhvr>
+                                        <p:cTn id="9" dur="1000" fill="hold"/>
+                                        <p:tgtEl>
+                                          <p:spTgt spid="4"/>
+                                        </p:tgtEl>
+                                        <p:attrNameLst>
+                                          <p:attrName>style.rotation</p:attrName>
+                                        </p:attrNameLst>
+                                      </p:cBhvr>
+                                      <p:tavLst>
+                                        <p:tav tm="0">
+                                          <p:val>
+                                            <p:fltVal val="90"/>
+                                          </p:val>
+                                        </p:tav>
+                                        <p:tav tm="100000">
+                                          <p:val>
+                                            <p:fltVal val="0"/>
+                                          </p:val>
+                                        </p:tav>
+                                      </p:tavLst>
+                                    </p:anim>
+                                    <p:animEffect transition="in" filter="fade">
+                                      <p:cBhvr>
+                                        <p:cTn id="10" dur="1000"/>
+                                        <p:tgtEl>
+                                          <p:spTgt spid="4"/>
+                                        </p:tgtEl>
+                                      </p:cBhvr>
+                                    </p:animEffect>
+                                  </p:childTnLst>
+                                </p:cTn>
+                              </p:par>
+                            </p:childTnLst>
+                          </p:cTn>
+                        </p:par>
+                      </p:childTnLst>
+                    </p:cTn>
+                  </p:par>
+                </p:childTnLst>
+              </p:cTn>
+              <p:prevCondLst>
+                <p:cond evt="onPrev" delay="0">
+                  <p:tgtEl>
+                    <p:sldTgt/>
+                  </p:tgtEl>
+                </p:cond>
+              </p:prevCondLst>
+              <p:nextCondLst>
+                <p:cond evt="onNext" delay="0">
+                  <p:tgtEl>
+                    <p:sldTgt/>
+                  </p:tgtEl>
+                </p:cond>
+              </p:nextCondLst>
+            </p:seq>
+          </p:childTnLst>
+        </p:cTn>
       </p:par>
     </p:tnLst>
+    <p:bldLst>
+      <p:bldP spid="4" grpId="0" animBg="1"/>
+    </p:bldLst>
   </p:timing>
 </p:sld>
 </file>

--- a/module-5/Event-Driven-Data-Management-for-Microservices.pptx
+++ b/module-5/Event-Driven-Data-Management-for-Microservices.pptx
@@ -251,7 +251,7 @@
           <a:p>
             <a:fld id="{ED24370F-8369-4C0B-AC1C-78BC417D1CC5}" type="datetimeFigureOut">
               <a:rPr lang="en-US" smtClean="0"/>
-              <a:t>1/8/2022</a:t>
+              <a:t>1/12/2022</a:t>
             </a:fld>
             <a:endParaRPr lang="en-US"/>
           </a:p>
@@ -421,7 +421,7 @@
           <a:p>
             <a:fld id="{ED24370F-8369-4C0B-AC1C-78BC417D1CC5}" type="datetimeFigureOut">
               <a:rPr lang="en-US" smtClean="0"/>
-              <a:t>1/8/2022</a:t>
+              <a:t>1/12/2022</a:t>
             </a:fld>
             <a:endParaRPr lang="en-US"/>
           </a:p>
@@ -601,7 +601,7 @@
           <a:p>
             <a:fld id="{ED24370F-8369-4C0B-AC1C-78BC417D1CC5}" type="datetimeFigureOut">
               <a:rPr lang="en-US" smtClean="0"/>
-              <a:t>1/8/2022</a:t>
+              <a:t>1/12/2022</a:t>
             </a:fld>
             <a:endParaRPr lang="en-US"/>
           </a:p>
@@ -771,7 +771,7 @@
           <a:p>
             <a:fld id="{ED24370F-8369-4C0B-AC1C-78BC417D1CC5}" type="datetimeFigureOut">
               <a:rPr lang="en-US" smtClean="0"/>
-              <a:t>1/8/2022</a:t>
+              <a:t>1/12/2022</a:t>
             </a:fld>
             <a:endParaRPr lang="en-US"/>
           </a:p>
@@ -1017,7 +1017,7 @@
           <a:p>
             <a:fld id="{ED24370F-8369-4C0B-AC1C-78BC417D1CC5}" type="datetimeFigureOut">
               <a:rPr lang="en-US" smtClean="0"/>
-              <a:t>1/8/2022</a:t>
+              <a:t>1/12/2022</a:t>
             </a:fld>
             <a:endParaRPr lang="en-US"/>
           </a:p>
@@ -1249,7 +1249,7 @@
           <a:p>
             <a:fld id="{ED24370F-8369-4C0B-AC1C-78BC417D1CC5}" type="datetimeFigureOut">
               <a:rPr lang="en-US" smtClean="0"/>
-              <a:t>1/8/2022</a:t>
+              <a:t>1/12/2022</a:t>
             </a:fld>
             <a:endParaRPr lang="en-US"/>
           </a:p>
@@ -1616,7 +1616,7 @@
           <a:p>
             <a:fld id="{ED24370F-8369-4C0B-AC1C-78BC417D1CC5}" type="datetimeFigureOut">
               <a:rPr lang="en-US" smtClean="0"/>
-              <a:t>1/8/2022</a:t>
+              <a:t>1/12/2022</a:t>
             </a:fld>
             <a:endParaRPr lang="en-US"/>
           </a:p>
@@ -1734,7 +1734,7 @@
           <a:p>
             <a:fld id="{ED24370F-8369-4C0B-AC1C-78BC417D1CC5}" type="datetimeFigureOut">
               <a:rPr lang="en-US" smtClean="0"/>
-              <a:t>1/8/2022</a:t>
+              <a:t>1/12/2022</a:t>
             </a:fld>
             <a:endParaRPr lang="en-US"/>
           </a:p>
@@ -1829,7 +1829,7 @@
           <a:p>
             <a:fld id="{ED24370F-8369-4C0B-AC1C-78BC417D1CC5}" type="datetimeFigureOut">
               <a:rPr lang="en-US" smtClean="0"/>
-              <a:t>1/8/2022</a:t>
+              <a:t>1/12/2022</a:t>
             </a:fld>
             <a:endParaRPr lang="en-US"/>
           </a:p>
@@ -2106,7 +2106,7 @@
           <a:p>
             <a:fld id="{ED24370F-8369-4C0B-AC1C-78BC417D1CC5}" type="datetimeFigureOut">
               <a:rPr lang="en-US" smtClean="0"/>
-              <a:t>1/8/2022</a:t>
+              <a:t>1/12/2022</a:t>
             </a:fld>
             <a:endParaRPr lang="en-US"/>
           </a:p>
@@ -2359,7 +2359,7 @@
           <a:p>
             <a:fld id="{ED24370F-8369-4C0B-AC1C-78BC417D1CC5}" type="datetimeFigureOut">
               <a:rPr lang="en-US" smtClean="0"/>
-              <a:t>1/8/2022</a:t>
+              <a:t>1/12/2022</a:t>
             </a:fld>
             <a:endParaRPr lang="en-US"/>
           </a:p>
@@ -2572,7 +2572,7 @@
           <a:p>
             <a:fld id="{ED24370F-8369-4C0B-AC1C-78BC417D1CC5}" type="datetimeFigureOut">
               <a:rPr lang="en-US" smtClean="0"/>
-              <a:t>1/8/2022</a:t>
+              <a:t>1/12/2022</a:t>
             </a:fld>
             <a:endParaRPr lang="en-US"/>
           </a:p>
@@ -4313,6 +4313,36 @@
           </a:p>
         </p:txBody>
       </p:sp>
+      <p:pic>
+        <p:nvPicPr>
+          <p:cNvPr id="4" name="Picture 3"/>
+          <p:cNvPicPr>
+            <a:picLocks noChangeAspect="1"/>
+          </p:cNvPicPr>
+          <p:nvPr/>
+        </p:nvPicPr>
+        <p:blipFill>
+          <a:blip r:embed="rId2">
+            <a:extLst>
+              <a:ext uri="{28A0092B-C50C-407E-A947-70E740481C1C}">
+                <a14:useLocalDpi xmlns:a14="http://schemas.microsoft.com/office/drawing/2010/main" val="0"/>
+              </a:ext>
+            </a:extLst>
+          </a:blip>
+          <a:stretch>
+            <a:fillRect/>
+          </a:stretch>
+        </p:blipFill>
+        <p:spPr>
+          <a:xfrm>
+            <a:off x="5102634" y="4001294"/>
+            <a:ext cx="5054088" cy="2731021"/>
+          </a:xfrm>
+          <a:prstGeom prst="rect">
+            <a:avLst/>
+          </a:prstGeom>
+        </p:spPr>
+      </p:pic>
     </p:spTree>
     <p:extLst>
       <p:ext uri="{BB962C8B-B14F-4D97-AF65-F5344CB8AC3E}">

--- a/module-5/Event-Driven-Data-Management-for-Microservices.pptx
+++ b/module-5/Event-Driven-Data-Management-for-Microservices.pptx
@@ -4075,6 +4075,47 @@
               </a:rPr>
               <a:t>). Dữ liệu được xác nhận sẽ được hệ thống lưu lại sao cho ngay cả trong trường hợp hỏng hóc hoặc có lỗi hệ thống, dữ liệu vẫn đảm bảo trong trạng thái chuẩn xác.</a:t>
             </a:r>
+          </a:p>
+        </p:txBody>
+      </p:sp>
+      <p:sp>
+        <p:nvSpPr>
+          <p:cNvPr id="4" name="Rectangle 3"/>
+          <p:cNvSpPr/>
+          <p:nvPr/>
+        </p:nvSpPr>
+        <p:spPr>
+          <a:xfrm>
+            <a:off x="5378245" y="6311900"/>
+            <a:ext cx="6587613" cy="276999"/>
+          </a:xfrm>
+          <a:prstGeom prst="rect">
+            <a:avLst/>
+          </a:prstGeom>
+        </p:spPr>
+        <p:txBody>
+          <a:bodyPr wrap="square">
+            <a:spAutoFit/>
+          </a:bodyPr>
+          <a:lstStyle/>
+          <a:p>
+            <a:r>
+              <a:rPr lang="en-US" sz="1200" dirty="0">
+                <a:hlinkClick r:id="rId6"/>
+              </a:rPr>
+              <a:t>https://tynkblogs.wordpress.com/2017/09/17/khai-niem-acid-trong-database-management-systems</a:t>
+            </a:r>
+            <a:r>
+              <a:rPr lang="en-US" sz="1200" dirty="0" smtClean="0">
+                <a:hlinkClick r:id="rId6"/>
+              </a:rPr>
+              <a:t>/</a:t>
+            </a:r>
+            <a:r>
+              <a:rPr lang="en-US" sz="1200" dirty="0" smtClean="0"/>
+              <a:t> </a:t>
+            </a:r>
+            <a:endParaRPr lang="en-US" sz="1200" dirty="0"/>
           </a:p>
         </p:txBody>
       </p:sp>
